--- a/SAP with AngularJS.pptx
+++ b/SAP with AngularJS.pptx
@@ -268,7 +268,7 @@
               <a:rPr lang="de-DE" smtClean="0">
                 <a:latin typeface="AA Zuehlke" pitchFamily="2" charset="0"/>
               </a:rPr>
-              <a:t>13.10.2015</a:t>
+              <a:t>15.10.2015</a:t>
             </a:fld>
             <a:endParaRPr lang="de-DE">
               <a:latin typeface="AA Zuehlke" pitchFamily="2" charset="0"/>
@@ -446,7 +446,7 @@
             <a:fld id="{A6966AE6-B72D-4967-9CA3-8469D2863705}" type="datetimeFigureOut">
               <a:rPr lang="en-US" smtClean="0"/>
               <a:pPr/>
-              <a:t>10/13/2015</a:t>
+              <a:t>10/15/2015</a:t>
             </a:fld>
             <a:endParaRPr lang="en-US" dirty="0"/>
           </a:p>
@@ -5775,7 +5775,6 @@
               <a:rPr lang="en-GB" b="1" dirty="0" smtClean="0"/>
               <a:t>AngularJS</a:t>
             </a:r>
-            <a:endParaRPr lang="en-GB" b="1" dirty="0" smtClean="0"/>
           </a:p>
           <a:p>
             <a:pPr marL="608013" lvl="1" indent="-342900">
@@ -6888,11 +6887,7 @@
             </a:pPr>
             <a:r>
               <a:rPr lang="en-GB" b="1" dirty="0" smtClean="0"/>
-              <a:t>Modules / Controllers / </a:t>
-            </a:r>
-            <a:r>
-              <a:rPr lang="en-GB" b="1" dirty="0" smtClean="0"/>
-              <a:t>Services</a:t>
+              <a:t>Modules / Controllers / Services</a:t>
             </a:r>
             <a:r>
               <a:rPr lang="sr-Latn-RS" b="1" dirty="0" smtClean="0"/>
@@ -6952,11 +6947,7 @@
             </a:pPr>
             <a:r>
               <a:rPr lang="en-GB" i="1" dirty="0" smtClean="0"/>
-              <a:t>ng-show</a:t>
-            </a:r>
-            <a:r>
-              <a:rPr lang="en-GB" i="1" dirty="0" smtClean="0"/>
-              <a:t>, ng-repeat, ng-click, ng-</a:t>
+              <a:t>ng-show, ng-repeat, ng-click, ng-</a:t>
             </a:r>
             <a:r>
               <a:rPr lang="en-GB" i="1" dirty="0" err="1" smtClean="0"/>
@@ -7978,52 +7969,34 @@
           </a:p>
           <a:p>
             <a:r>
-              <a:rPr lang="en-GB" dirty="0" smtClean="0"/>
+              <a:rPr lang="en-GB" smtClean="0"/>
               <a:t>- </a:t>
             </a:r>
             <a:r>
-              <a:rPr lang="en-GB" dirty="0" smtClean="0"/>
-              <a:t>link </a:t>
-            </a:r>
-            <a:r>
-              <a:rPr lang="en-GB" dirty="0" err="1" smtClean="0"/>
-              <a:t>ka</a:t>
-            </a:r>
-            <a:r>
-              <a:rPr lang="en-GB" dirty="0" smtClean="0"/>
+              <a:rPr lang="en-GB"/>
+              <a:t>GitHub: </a:t>
+            </a:r>
+            <a:r>
+              <a:rPr lang="en-GB">
+                <a:hlinkClick r:id="rId4"/>
+              </a:rPr>
+              <a:t>https</a:t>
+            </a:r>
+            <a:r>
+              <a:rPr lang="en-GB">
+                <a:hlinkClick r:id="rId4"/>
+              </a:rPr>
+              <a:t>://</a:t>
+            </a:r>
+            <a:r>
+              <a:rPr lang="en-GB" smtClean="0">
+                <a:hlinkClick r:id="rId4"/>
+              </a:rPr>
+              <a:t>github.com/Zuehlke/ZRS-Angular-Workshop</a:t>
+            </a:r>
+            <a:r>
+              <a:rPr lang="en-GB" smtClean="0"/>
               <a:t> </a:t>
-            </a:r>
-            <a:r>
-              <a:rPr lang="en-GB" dirty="0" err="1" smtClean="0"/>
-              <a:t>nasem</a:t>
-            </a:r>
-            <a:r>
-              <a:rPr lang="en-GB" dirty="0" smtClean="0"/>
-              <a:t> </a:t>
-            </a:r>
-            <a:r>
-              <a:rPr lang="en-GB" dirty="0" err="1" smtClean="0"/>
-              <a:t>zuhlke</a:t>
-            </a:r>
-            <a:r>
-              <a:rPr lang="en-GB" dirty="0" smtClean="0"/>
-              <a:t> repo </a:t>
-            </a:r>
-            <a:r>
-              <a:rPr lang="en-GB" dirty="0" err="1" smtClean="0"/>
-              <a:t>sa</a:t>
-            </a:r>
-            <a:r>
-              <a:rPr lang="en-GB" dirty="0" smtClean="0"/>
-              <a:t> </a:t>
-            </a:r>
-            <a:r>
-              <a:rPr lang="en-GB" dirty="0" err="1" smtClean="0"/>
-              <a:t>kodom</a:t>
-            </a:r>
-            <a:r>
-              <a:rPr lang="en-GB" dirty="0" smtClean="0"/>
-              <a:t>?</a:t>
             </a:r>
             <a:endParaRPr lang="en-GB" dirty="0" smtClean="0"/>
           </a:p>
@@ -8090,7 +8063,7 @@
           <p:nvPr/>
         </p:nvPicPr>
         <p:blipFill>
-          <a:blip r:embed="rId4"/>
+          <a:blip r:embed="rId5"/>
           <a:stretch>
             <a:fillRect/>
           </a:stretch>

--- a/SAP with AngularJS.pptx
+++ b/SAP with AngularJS.pptx
@@ -268,7 +268,7 @@
               <a:rPr lang="de-DE" smtClean="0">
                 <a:latin typeface="AA Zuehlke" pitchFamily="2" charset="0"/>
               </a:rPr>
-              <a:t>15.10.2015</a:t>
+              <a:t>16.10.2015</a:t>
             </a:fld>
             <a:endParaRPr lang="de-DE">
               <a:latin typeface="AA Zuehlke" pitchFamily="2" charset="0"/>
@@ -446,7 +446,7 @@
             <a:fld id="{A6966AE6-B72D-4967-9CA3-8469D2863705}" type="datetimeFigureOut">
               <a:rPr lang="en-US" smtClean="0"/>
               <a:pPr/>
-              <a:t>10/15/2015</a:t>
+              <a:t>10/16/2015</a:t>
             </a:fld>
             <a:endParaRPr lang="en-US" dirty="0"/>
           </a:p>
@@ -6852,11 +6852,11 @@
             </a:pPr>
             <a:r>
               <a:rPr lang="en-GB" i="1" dirty="0"/>
-              <a:t>&lt;h1&gt;{{</a:t>
-            </a:r>
-            <a:r>
-              <a:rPr lang="en-GB" i="1" dirty="0" err="1"/>
-              <a:t>game.title</a:t>
+              <a:t>&lt;h1</a:t>
+            </a:r>
+            <a:r>
+              <a:rPr lang="en-GB" i="1" dirty="0" smtClean="0"/>
+              <a:t>&gt;{{title</a:t>
             </a:r>
             <a:r>
               <a:rPr lang="en-GB" i="1" dirty="0"/>
@@ -6872,7 +6872,19 @@
             </a:r>
             <a:r>
               <a:rPr lang="sr-Latn-RS" i="1" dirty="0" smtClean="0"/>
-              <a:t>        $scope.title </a:t>
+              <a:t>        </a:t>
+            </a:r>
+            <a:r>
+              <a:rPr lang="en-US" i="1" smtClean="0"/>
+              <a:t>            </a:t>
+            </a:r>
+            <a:r>
+              <a:rPr lang="sr-Latn-RS" i="1" smtClean="0"/>
+              <a:t>$</a:t>
+            </a:r>
+            <a:r>
+              <a:rPr lang="sr-Latn-RS" i="1" dirty="0" smtClean="0"/>
+              <a:t>scope.title </a:t>
             </a:r>
             <a:r>
               <a:rPr lang="sr-Latn-RS" i="1" dirty="0"/>
@@ -7233,16 +7245,16 @@
       </p:sp>
       <p:grpSp>
         <p:nvGrpSpPr>
-          <p:cNvPr id="41" name="Group 40"/>
+          <p:cNvPr id="9" name="Group 8"/>
           <p:cNvGrpSpPr/>
           <p:nvPr/>
         </p:nvGrpSpPr>
         <p:grpSpPr>
           <a:xfrm>
-            <a:off x="457201" y="1918039"/>
-            <a:ext cx="7531100" cy="3873161"/>
-            <a:chOff x="457201" y="1918039"/>
-            <a:chExt cx="7531100" cy="3873161"/>
+            <a:off x="682505" y="1824483"/>
+            <a:ext cx="7623295" cy="4195319"/>
+            <a:chOff x="682505" y="1824483"/>
+            <a:chExt cx="7623295" cy="4195319"/>
           </a:xfrm>
         </p:grpSpPr>
         <p:sp>
@@ -7253,7 +7265,7 @@
           </p:nvSpPr>
           <p:spPr>
             <a:xfrm>
-              <a:off x="1447800" y="1918039"/>
+              <a:off x="1447799" y="1824483"/>
               <a:ext cx="2767013" cy="762000"/>
             </a:xfrm>
             <a:prstGeom prst="flowChartProcess">
@@ -7329,7 +7341,7 @@
           </p:nvSpPr>
           <p:spPr>
             <a:xfrm>
-              <a:off x="1447799" y="4129128"/>
+              <a:off x="1447798" y="4035572"/>
               <a:ext cx="2767013" cy="762000"/>
             </a:xfrm>
             <a:prstGeom prst="flowChartProcess">
@@ -7394,7 +7406,7 @@
           </p:nvSpPr>
           <p:spPr>
             <a:xfrm>
-              <a:off x="5854700" y="3798338"/>
+              <a:off x="5854699" y="3704782"/>
               <a:ext cx="2133601" cy="1371600"/>
             </a:xfrm>
             <a:prstGeom prst="flowChartDecision">
@@ -7473,7 +7485,7 @@
           </p:nvCxnSpPr>
           <p:spPr>
             <a:xfrm flipH="1">
-              <a:off x="2831306" y="2680039"/>
+              <a:off x="2831305" y="2586483"/>
               <a:ext cx="1" cy="1449089"/>
             </a:xfrm>
             <a:prstGeom prst="straightConnector1">
@@ -7509,7 +7521,7 @@
           </p:nvCxnSpPr>
           <p:spPr>
             <a:xfrm flipV="1">
-              <a:off x="4214812" y="4484138"/>
+              <a:off x="4214811" y="4390582"/>
               <a:ext cx="1639888" cy="25990"/>
             </a:xfrm>
             <a:prstGeom prst="straightConnector1">
@@ -7545,7 +7557,7 @@
           </p:nvCxnSpPr>
           <p:spPr>
             <a:xfrm rot="16200000" flipV="1">
-              <a:off x="4818508" y="1695345"/>
+              <a:off x="4818507" y="1601789"/>
               <a:ext cx="1499299" cy="2706688"/>
             </a:xfrm>
             <a:prstGeom prst="bentConnector2">
@@ -7581,7 +7593,7 @@
           </p:nvCxnSpPr>
           <p:spPr>
             <a:xfrm rot="5400000" flipH="1">
-              <a:off x="4736999" y="2985436"/>
+              <a:off x="4736998" y="2891880"/>
               <a:ext cx="278810" cy="4090195"/>
             </a:xfrm>
             <a:prstGeom prst="bentConnector3">
@@ -7616,7 +7628,7 @@
           </p:nvSpPr>
           <p:spPr>
             <a:xfrm>
-              <a:off x="457201" y="3283120"/>
+              <a:off x="682505" y="2837849"/>
               <a:ext cx="2209800" cy="355894"/>
             </a:xfrm>
             <a:prstGeom prst="rect">
@@ -7650,7 +7662,7 @@
           </p:nvSpPr>
           <p:spPr>
             <a:xfrm>
-              <a:off x="4566080" y="4139001"/>
+              <a:off x="4566079" y="4045445"/>
               <a:ext cx="1151665" cy="355894"/>
             </a:xfrm>
             <a:prstGeom prst="rect">
@@ -7684,7 +7696,7 @@
           </p:nvSpPr>
           <p:spPr>
             <a:xfrm>
-              <a:off x="6921500" y="5129672"/>
+              <a:off x="6921499" y="5036116"/>
               <a:ext cx="442086" cy="355894"/>
             </a:xfrm>
             <a:prstGeom prst="rect">
@@ -7724,7 +7736,7 @@
           </p:nvSpPr>
           <p:spPr>
             <a:xfrm>
-              <a:off x="4608076" y="5435306"/>
+              <a:off x="4608075" y="5341750"/>
               <a:ext cx="1246624" cy="355894"/>
             </a:xfrm>
             <a:prstGeom prst="rect">
@@ -7758,7 +7770,7 @@
           </p:nvSpPr>
           <p:spPr>
             <a:xfrm>
-              <a:off x="4379118" y="2457850"/>
+              <a:off x="4379117" y="2364294"/>
               <a:ext cx="2402682" cy="355894"/>
             </a:xfrm>
             <a:prstGeom prst="rect">
@@ -7792,7 +7804,7 @@
           </p:nvSpPr>
           <p:spPr>
             <a:xfrm>
-              <a:off x="6916356" y="3514211"/>
+              <a:off x="6916355" y="3420655"/>
               <a:ext cx="551243" cy="355894"/>
             </a:xfrm>
             <a:prstGeom prst="rect">
@@ -7819,6 +7831,111 @@
                 <a:solidFill>
                   <a:srgbClr val="FF0000"/>
                 </a:solidFill>
+                <a:latin typeface="AA Zuehlke" pitchFamily="2" charset="0"/>
+              </a:endParaRPr>
+            </a:p>
+          </p:txBody>
+        </p:sp>
+        <p:sp>
+          <p:nvSpPr>
+            <p:cNvPr id="6" name="Rectangle 5"/>
+            <p:cNvSpPr/>
+            <p:nvPr/>
+          </p:nvSpPr>
+          <p:spPr>
+            <a:xfrm>
+              <a:off x="914400" y="3343943"/>
+              <a:ext cx="7391400" cy="2675859"/>
+            </a:xfrm>
+            <a:prstGeom prst="rect">
+              <a:avLst/>
+            </a:prstGeom>
+            <a:noFill/>
+            <a:ln w="28575">
+              <a:solidFill>
+                <a:schemeClr val="accent1"/>
+              </a:solidFill>
+              <a:prstDash val="lgDash"/>
+            </a:ln>
+          </p:spPr>
+          <p:style>
+            <a:lnRef idx="2">
+              <a:schemeClr val="accent1">
+                <a:shade val="50000"/>
+              </a:schemeClr>
+            </a:lnRef>
+            <a:fillRef idx="1">
+              <a:schemeClr val="accent1"/>
+            </a:fillRef>
+            <a:effectRef idx="0">
+              <a:schemeClr val="accent1"/>
+            </a:effectRef>
+            <a:fontRef idx="minor">
+              <a:schemeClr val="lt1"/>
+            </a:fontRef>
+          </p:style>
+          <p:txBody>
+            <a:bodyPr rtlCol="0" anchor="ctr"/>
+            <a:lstStyle/>
+            <a:p>
+              <a:pPr algn="ctr"/>
+              <a:endParaRPr lang="en-GB" sz="2200" dirty="0" err="1" smtClean="0">
+                <a:latin typeface="AA Zuehlke" pitchFamily="2" charset="0"/>
+              </a:endParaRPr>
+            </a:p>
+          </p:txBody>
+        </p:sp>
+        <p:sp>
+          <p:nvSpPr>
+            <p:cNvPr id="23" name="TextBox 22"/>
+            <p:cNvSpPr txBox="1"/>
+            <p:nvPr/>
+          </p:nvSpPr>
+          <p:spPr>
+            <a:xfrm>
+              <a:off x="6781799" y="5567096"/>
+              <a:ext cx="1524001" cy="355894"/>
+            </a:xfrm>
+            <a:prstGeom prst="rect">
+              <a:avLst/>
+            </a:prstGeom>
+            <a:noFill/>
+          </p:spPr>
+          <p:txBody>
+            <a:bodyPr wrap="square" rtlCol="0">
+              <a:noAutofit/>
+            </a:bodyPr>
+            <a:lstStyle/>
+            <a:p>
+              <a:r>
+                <a:rPr lang="en-US" sz="1600" i="1" dirty="0" smtClean="0">
+                  <a:ln w="0"/>
+                  <a:solidFill>
+                    <a:schemeClr val="accent1"/>
+                  </a:solidFill>
+                  <a:effectLst>
+                    <a:outerShdw blurRad="38100" dist="25400" dir="5400000" algn="ctr" rotWithShape="0">
+                      <a:srgbClr val="6E747A">
+                        <a:alpha val="43000"/>
+                      </a:srgbClr>
+                    </a:outerShdw>
+                  </a:effectLst>
+                  <a:latin typeface="AA Zuehlke" pitchFamily="2" charset="0"/>
+                </a:rPr>
+                <a:t>Game is running</a:t>
+              </a:r>
+              <a:endParaRPr lang="en-GB" sz="1600" i="1" dirty="0" err="1" smtClean="0">
+                <a:ln w="0"/>
+                <a:solidFill>
+                  <a:schemeClr val="accent1"/>
+                </a:solidFill>
+                <a:effectLst>
+                  <a:outerShdw blurRad="38100" dist="25400" dir="5400000" algn="ctr" rotWithShape="0">
+                    <a:srgbClr val="6E747A">
+                      <a:alpha val="43000"/>
+                    </a:srgbClr>
+                  </a:outerShdw>
+                </a:effectLst>
                 <a:latin typeface="AA Zuehlke" pitchFamily="2" charset="0"/>
               </a:endParaRPr>
             </a:p>
@@ -7980,13 +8097,7 @@
               <a:rPr lang="en-GB">
                 <a:hlinkClick r:id="rId4"/>
               </a:rPr>
-              <a:t>https</a:t>
-            </a:r>
-            <a:r>
-              <a:rPr lang="en-GB">
-                <a:hlinkClick r:id="rId4"/>
-              </a:rPr>
-              <a:t>://</a:t>
+              <a:t>https://</a:t>
             </a:r>
             <a:r>
               <a:rPr lang="en-GB" smtClean="0">
